--- a/slides/Session2_BasicR.pptx
+++ b/slides/Session2_BasicR.pptx
@@ -5539,7 +5539,7 @@
               <a:t>) – section off pieces of your code with chunks; can supplement with text, bullet points, images, </a:t>
             </a:r>
             <a:r>
-              <a:rPr lang="en-US"/>
+              <a:rPr lang="en-US" dirty="0" err="1"/>
               <a:t>etc</a:t>
             </a:r>
             <a:endParaRPr lang="en-US" dirty="0"/>
